--- a/fall11/slidesF11/slides7m.pptx
+++ b/fall11/slidesF11/slides7m.pptx
@@ -2103,7 +2103,11 @@
             </a:r>
             <a:r>
               <a:rPr lang="en-US" dirty="0" smtClean="0"/>
-              <a:t> 6W.</a:t>
+              <a:t> </a:t>
+            </a:r>
+            <a:r>
+              <a:rPr lang="en-US" dirty="0" smtClean="0"/>
+              <a:t>7M.</a:t>
             </a:r>
             <a:fld id="{D7F2FC53-1536-41A9-A9C1-2199CF803E30}" type="slidenum">
               <a:rPr lang="en-US" smtClean="0"/>
@@ -2275,7 +2279,11 @@
             </a:r>
             <a:r>
               <a:rPr lang="en-US" dirty="0" smtClean="0"/>
-              <a:t> 6W.</a:t>
+              <a:t> </a:t>
+            </a:r>
+            <a:r>
+              <a:rPr lang="en-US" dirty="0" smtClean="0"/>
+              <a:t>7M.</a:t>
             </a:r>
             <a:fld id="{D7F2FC53-1536-41A9-A9C1-2199CF803E30}" type="slidenum">
               <a:rPr lang="en-US" smtClean="0"/>
@@ -2469,7 +2477,11 @@
             </a:r>
             <a:r>
               <a:rPr lang="en-US" dirty="0" smtClean="0"/>
-              <a:t> 6W.</a:t>
+              <a:t> </a:t>
+            </a:r>
+            <a:r>
+              <a:rPr lang="en-US" dirty="0" smtClean="0"/>
+              <a:t>7M.</a:t>
             </a:r>
             <a:fld id="{D7F2FC53-1536-41A9-A9C1-2199CF803E30}" type="slidenum">
               <a:rPr lang="en-US" smtClean="0"/>
@@ -2589,7 +2601,11 @@
             </a:r>
             <a:r>
               <a:rPr lang="en-US" dirty="0" smtClean="0"/>
-              <a:t> 6W.</a:t>
+              <a:t> </a:t>
+            </a:r>
+            <a:r>
+              <a:rPr lang="en-US" dirty="0" smtClean="0"/>
+              <a:t>7M.</a:t>
             </a:r>
             <a:fld id="{D7F2FC53-1536-41A9-A9C1-2199CF803E30}" type="slidenum">
               <a:rPr lang="en-US" smtClean="0"/>
@@ -2686,7 +2702,11 @@
             </a:r>
             <a:r>
               <a:rPr lang="en-US" dirty="0" smtClean="0"/>
-              <a:t> 6W.</a:t>
+              <a:t> </a:t>
+            </a:r>
+            <a:r>
+              <a:rPr lang="en-US" dirty="0" smtClean="0"/>
+              <a:t>7M.</a:t>
             </a:r>
             <a:fld id="{D7F2FC53-1536-41A9-A9C1-2199CF803E30}" type="slidenum">
               <a:rPr lang="en-US" smtClean="0"/>
@@ -2941,7 +2961,11 @@
             </a:r>
             <a:r>
               <a:rPr lang="en-US" dirty="0" smtClean="0"/>
-              <a:t> 6W.</a:t>
+              <a:t> </a:t>
+            </a:r>
+            <a:r>
+              <a:rPr lang="en-US" dirty="0" smtClean="0"/>
+              <a:t>7M.</a:t>
             </a:r>
             <a:fld id="{D7F2FC53-1536-41A9-A9C1-2199CF803E30}" type="slidenum">
               <a:rPr lang="en-US" smtClean="0"/>
@@ -3209,7 +3233,7 @@
         <p:spPr>
           <a:xfrm>
             <a:off x="3124200" y="6553200"/>
-            <a:ext cx="2761674" cy="304800"/>
+            <a:ext cx="3124200" cy="304800"/>
           </a:xfrm>
           <a:prstGeom prst="rect">
             <a:avLst/>
@@ -3249,7 +3273,37 @@
                 <a:uFillTx/>
                 <a:latin typeface="Comic Sans MS" pitchFamily="66" charset="0"/>
               </a:rPr>
-              <a:t>Albert R Meyer       March 9, 2011</a:t>
+              <a:t>Albert R Meyer       </a:t>
+            </a:r>
+            <a:r>
+              <a:rPr kumimoji="0" lang="en-US" sz="1200" b="0" i="0" u="none" strike="noStrike" kern="1200" cap="none" spc="0" normalizeH="0" baseline="0" noProof="0" dirty="0" smtClean="0">
+                <a:ln>
+                  <a:noFill/>
+                </a:ln>
+                <a:solidFill>
+                  <a:schemeClr val="tx1"/>
+                </a:solidFill>
+                <a:effectLst/>
+                <a:uLnTx/>
+                <a:uFillTx/>
+                <a:latin typeface="Comic Sans MS" pitchFamily="66" charset="0"/>
+              </a:rPr>
+              <a:t>October 17, </a:t>
+            </a:r>
+            <a:r>
+              <a:rPr kumimoji="0" lang="en-US" sz="1200" b="0" i="0" u="none" strike="noStrike" kern="1200" cap="none" spc="0" normalizeH="0" baseline="0" noProof="0" dirty="0" smtClean="0">
+                <a:ln>
+                  <a:noFill/>
+                </a:ln>
+                <a:solidFill>
+                  <a:schemeClr val="tx1"/>
+                </a:solidFill>
+                <a:effectLst/>
+                <a:uLnTx/>
+                <a:uFillTx/>
+                <a:latin typeface="Comic Sans MS" pitchFamily="66" charset="0"/>
+              </a:rPr>
+              <a:t>2011</a:t>
             </a:r>
             <a:endParaRPr kumimoji="0" lang="en-US" sz="1200" b="0" i="0" u="none" strike="noStrike" kern="1200" cap="none" spc="0" normalizeH="0" baseline="0" noProof="0" dirty="0">
               <a:ln>
@@ -3278,8 +3332,8 @@
         </p:nvSpPr>
         <p:spPr bwMode="auto">
           <a:xfrm>
-            <a:off x="8252727" y="6553200"/>
-            <a:ext cx="843650" cy="246221"/>
+            <a:off x="8272827" y="6553200"/>
+            <a:ext cx="823550" cy="246221"/>
           </a:xfrm>
           <a:prstGeom prst="rect">
             <a:avLst/>
@@ -3318,7 +3372,11 @@
             </a:r>
             <a:r>
               <a:rPr lang="en-US" dirty="0" smtClean="0"/>
-              <a:t> 6W.</a:t>
+              <a:t> </a:t>
+            </a:r>
+            <a:r>
+              <a:rPr lang="en-US" dirty="0" smtClean="0"/>
+              <a:t>7M.</a:t>
             </a:r>
             <a:fld id="{D7F2FC53-1536-41A9-A9C1-2199CF803E30}" type="slidenum">
               <a:rPr lang="en-US" smtClean="0"/>
@@ -4006,24 +4064,7 @@
               <a:rPr lang="en-US" sz="1000" dirty="0" smtClean="0">
                 <a:latin typeface="+mj-lt"/>
               </a:rPr>
-              <a:t>6W</a:t>
-            </a:r>
-            <a:r>
-              <a:rPr kumimoji="0" lang="en-US" sz="1000" b="0" i="0" u="none" strike="noStrike" kern="1200" cap="none" spc="0" normalizeH="0" baseline="0" noProof="0" dirty="0" smtClean="0">
-                <a:ln>
-                  <a:noFill/>
-                </a:ln>
-                <a:solidFill>
-                  <a:schemeClr val="tx1"/>
-                </a:solidFill>
-                <a:effectLst/>
-                <a:uLnTx/>
-                <a:uFillTx/>
-                <a:latin typeface="+mj-lt"/>
-                <a:ea typeface="+mn-ea"/>
-                <a:cs typeface="+mn-cs"/>
-              </a:rPr>
-              <a:t>.</a:t>
+              <a:t>7M.</a:t>
             </a:r>
             <a:fld id="{B5B77044-B6D2-4171-A09C-C512413DA1DA}" type="slidenum">
               <a:rPr kumimoji="0" lang="en-US" sz="1000" b="0" i="0" u="none" strike="noStrike" kern="1200" cap="none" spc="0" normalizeH="0" baseline="0" noProof="0" smtClean="0">
@@ -4202,8 +4243,8 @@
         </p:nvSpPr>
         <p:spPr>
           <a:xfrm>
-            <a:off x="8215313" y="6583363"/>
-            <a:ext cx="928687" cy="274637"/>
+            <a:off x="8276530" y="6583363"/>
+            <a:ext cx="867470" cy="276999"/>
           </a:xfrm>
           <a:prstGeom prst="rect">
             <a:avLst/>
@@ -4222,7 +4263,11 @@
             </a:r>
             <a:r>
               <a:rPr lang="en-US" sz="1200" dirty="0" smtClean="0"/>
-              <a:t> 6W.</a:t>
+              <a:t> </a:t>
+            </a:r>
+            <a:r>
+              <a:rPr lang="en-US" sz="1200" dirty="0" smtClean="0"/>
+              <a:t>7M.</a:t>
             </a:r>
             <a:fld id="{19EC3EF5-AAAB-406F-8B8B-2285D28F7116}" type="slidenum">
               <a:rPr lang="en-US" sz="1200" smtClean="0"/>
@@ -5488,8 +5533,8 @@
         </p:nvSpPr>
         <p:spPr>
           <a:xfrm>
-            <a:off x="8215313" y="6583363"/>
-            <a:ext cx="928687" cy="274637"/>
+            <a:off x="8301176" y="6583363"/>
+            <a:ext cx="842824" cy="276999"/>
           </a:xfrm>
           <a:prstGeom prst="rect">
             <a:avLst/>
@@ -5508,7 +5553,11 @@
             </a:r>
             <a:r>
               <a:rPr lang="en-US" sz="1200" dirty="0" smtClean="0"/>
-              <a:t> 6W.</a:t>
+              <a:t> </a:t>
+            </a:r>
+            <a:r>
+              <a:rPr lang="en-US" sz="1200" dirty="0" smtClean="0"/>
+              <a:t>7M.</a:t>
             </a:r>
             <a:fld id="{19EC3EF5-AAAB-406F-8B8B-2285D28F7116}" type="slidenum">
               <a:rPr lang="en-US" sz="1200" smtClean="0"/>
@@ -5776,7 +5825,7 @@
           <a:graphicData uri="http://schemas.openxmlformats.org/presentationml/2006/ole">
             <mc:AlternateContent xmlns:mc="http://schemas.openxmlformats.org/markup-compatibility/2006">
               <mc:Choice xmlns:v="urn:schemas-microsoft-com:vml" Requires="v">
-                <p:oleObj spid="_x0000_s412676" name="Equation" r:id="rId4" imgW="596900" imgH="546100" progId="Equation.DSMT4">
+                <p:oleObj spid="_x0000_s412678" name="Equation" r:id="rId4" imgW="596900" imgH="546100" progId="Equation.DSMT4">
                   <p:embed/>
                 </p:oleObj>
               </mc:Choice>
@@ -6301,7 +6350,24 @@
                 <a:ea typeface="+mn-ea"/>
                 <a:cs typeface="+mn-cs"/>
               </a:rPr>
-              <a:t> 6W.</a:t>
+              <a:t> </a:t>
+            </a:r>
+            <a:r>
+              <a:rPr kumimoji="0" lang="en-US" sz="1000" b="0" i="0" u="none" strike="noStrike" kern="1200" cap="none" spc="0" normalizeH="0" baseline="0" noProof="0" dirty="0" smtClean="0">
+                <a:ln>
+                  <a:noFill/>
+                </a:ln>
+                <a:solidFill>
+                  <a:schemeClr val="tx1"/>
+                </a:solidFill>
+                <a:effectLst/>
+                <a:uLnTx/>
+                <a:uFillTx/>
+                <a:latin typeface="+mj-lt"/>
+                <a:ea typeface="+mn-ea"/>
+                <a:cs typeface="+mn-cs"/>
+              </a:rPr>
+              <a:t>7M.</a:t>
             </a:r>
             <a:fld id="{B5B77044-B6D2-4171-A09C-C512413DA1DA}" type="slidenum">
               <a:rPr kumimoji="0" lang="en-US" sz="1000" b="0" i="0" u="none" strike="noStrike" kern="1200" cap="none" spc="0" normalizeH="0" baseline="0" noProof="0" smtClean="0">
@@ -7177,7 +7243,7 @@
           <a:graphicData uri="http://schemas.openxmlformats.org/presentationml/2006/ole">
             <mc:AlternateContent xmlns:mc="http://schemas.openxmlformats.org/markup-compatibility/2006">
               <mc:Choice xmlns:v="urn:schemas-microsoft-com:vml" Requires="v">
-                <p:oleObj spid="_x0000_s401414" name="Equation" r:id="rId4" imgW="914400" imgH="198720" progId="Equation.DSMT4">
+                <p:oleObj spid="_x0000_s401416" name="Equation" r:id="rId4" imgW="914400" imgH="198720" progId="Equation.DSMT4">
                   <p:embed/>
                 </p:oleObj>
               </mc:Choice>
@@ -7828,7 +7894,24 @@
                 <a:ea typeface="+mn-ea"/>
                 <a:cs typeface="+mn-cs"/>
               </a:rPr>
-              <a:t> 6W.</a:t>
+              <a:t> </a:t>
+            </a:r>
+            <a:r>
+              <a:rPr kumimoji="0" lang="en-US" sz="1000" b="0" i="0" u="none" strike="noStrike" kern="1200" cap="none" spc="0" normalizeH="0" baseline="0" noProof="0" dirty="0" smtClean="0">
+                <a:ln>
+                  <a:noFill/>
+                </a:ln>
+                <a:solidFill>
+                  <a:schemeClr val="tx1"/>
+                </a:solidFill>
+                <a:effectLst/>
+                <a:uLnTx/>
+                <a:uFillTx/>
+                <a:latin typeface="+mj-lt"/>
+                <a:ea typeface="+mn-ea"/>
+                <a:cs typeface="+mn-cs"/>
+              </a:rPr>
+              <a:t>7M.</a:t>
             </a:r>
             <a:fld id="{B5B77044-B6D2-4171-A09C-C512413DA1DA}" type="slidenum">
               <a:rPr kumimoji="0" lang="en-US" sz="1000" b="0" i="0" u="none" strike="noStrike" kern="1200" cap="none" spc="0" normalizeH="0" baseline="0" noProof="0" smtClean="0">
@@ -8449,7 +8532,24 @@
                 <a:ea typeface="+mn-ea"/>
                 <a:cs typeface="+mn-cs"/>
               </a:rPr>
-              <a:t> 6W.</a:t>
+              <a:t> </a:t>
+            </a:r>
+            <a:r>
+              <a:rPr kumimoji="0" lang="en-US" sz="1000" b="0" i="0" u="none" strike="noStrike" kern="1200" cap="none" spc="0" normalizeH="0" baseline="0" noProof="0" dirty="0" smtClean="0">
+                <a:ln>
+                  <a:noFill/>
+                </a:ln>
+                <a:solidFill>
+                  <a:schemeClr val="tx1"/>
+                </a:solidFill>
+                <a:effectLst/>
+                <a:uLnTx/>
+                <a:uFillTx/>
+                <a:latin typeface="+mj-lt"/>
+                <a:ea typeface="+mn-ea"/>
+                <a:cs typeface="+mn-cs"/>
+              </a:rPr>
+              <a:t>7M.</a:t>
             </a:r>
             <a:fld id="{B5B77044-B6D2-4171-A09C-C512413DA1DA}" type="slidenum">
               <a:rPr kumimoji="0" lang="en-US" sz="1000" b="0" i="0" u="none" strike="noStrike" kern="1200" cap="none" spc="0" normalizeH="0" baseline="0" noProof="0" smtClean="0">
@@ -9020,7 +9120,24 @@
                 <a:ea typeface="+mn-ea"/>
                 <a:cs typeface="+mn-cs"/>
               </a:rPr>
-              <a:t> 6W.</a:t>
+              <a:t> </a:t>
+            </a:r>
+            <a:r>
+              <a:rPr kumimoji="0" lang="en-US" sz="1000" b="0" i="0" u="none" strike="noStrike" kern="1200" cap="none" spc="0" normalizeH="0" baseline="0" noProof="0" dirty="0" smtClean="0">
+                <a:ln>
+                  <a:noFill/>
+                </a:ln>
+                <a:solidFill>
+                  <a:schemeClr val="tx1"/>
+                </a:solidFill>
+                <a:effectLst/>
+                <a:uLnTx/>
+                <a:uFillTx/>
+                <a:latin typeface="+mj-lt"/>
+                <a:ea typeface="+mn-ea"/>
+                <a:cs typeface="+mn-cs"/>
+              </a:rPr>
+              <a:t>7M.</a:t>
             </a:r>
             <a:fld id="{B5B77044-B6D2-4171-A09C-C512413DA1DA}" type="slidenum">
               <a:rPr kumimoji="0" lang="en-US" sz="1000" b="0" i="0" u="none" strike="noStrike" kern="1200" cap="none" spc="0" normalizeH="0" baseline="0" noProof="0" smtClean="0">
@@ -10323,8 +10440,8 @@
         </p:nvSpPr>
         <p:spPr bwMode="auto">
           <a:xfrm>
-            <a:off x="8349698" y="6553200"/>
-            <a:ext cx="794308" cy="246221"/>
+            <a:off x="8390337" y="6553200"/>
+            <a:ext cx="753669" cy="246221"/>
           </a:xfrm>
           <a:prstGeom prst="rect">
             <a:avLst/>
@@ -10396,7 +10513,24 @@
                 <a:ea typeface="+mn-ea"/>
                 <a:cs typeface="+mn-cs"/>
               </a:rPr>
-              <a:t> 6W.</a:t>
+              <a:t> </a:t>
+            </a:r>
+            <a:r>
+              <a:rPr kumimoji="0" lang="en-US" sz="1000" b="0" i="0" u="none" strike="noStrike" kern="1200" cap="none" spc="0" normalizeH="0" baseline="0" noProof="0" dirty="0" smtClean="0">
+                <a:ln>
+                  <a:noFill/>
+                </a:ln>
+                <a:solidFill>
+                  <a:schemeClr val="tx1"/>
+                </a:solidFill>
+                <a:effectLst/>
+                <a:uLnTx/>
+                <a:uFillTx/>
+                <a:latin typeface="+mj-lt"/>
+                <a:ea typeface="+mn-ea"/>
+                <a:cs typeface="+mn-cs"/>
+              </a:rPr>
+              <a:t>7M.</a:t>
             </a:r>
             <a:fld id="{B5B77044-B6D2-4171-A09C-C512413DA1DA}" type="slidenum">
               <a:rPr kumimoji="0" lang="en-US" sz="1000" b="0" i="0" u="none" strike="noStrike" kern="1200" cap="none" spc="0" normalizeH="0" baseline="0" noProof="0" smtClean="0">
@@ -12231,8 +12365,8 @@
         </p:nvSpPr>
         <p:spPr bwMode="auto">
           <a:xfrm>
-            <a:off x="8349698" y="6553200"/>
-            <a:ext cx="794308" cy="246221"/>
+            <a:off x="8390337" y="6553200"/>
+            <a:ext cx="753669" cy="246221"/>
           </a:xfrm>
           <a:prstGeom prst="rect">
             <a:avLst/>
@@ -12304,7 +12438,24 @@
                 <a:ea typeface="+mn-ea"/>
                 <a:cs typeface="+mn-cs"/>
               </a:rPr>
-              <a:t> 6W.</a:t>
+              <a:t> </a:t>
+            </a:r>
+            <a:r>
+              <a:rPr kumimoji="0" lang="en-US" sz="1000" b="0" i="0" u="none" strike="noStrike" kern="1200" cap="none" spc="0" normalizeH="0" baseline="0" noProof="0" dirty="0" smtClean="0">
+                <a:ln>
+                  <a:noFill/>
+                </a:ln>
+                <a:solidFill>
+                  <a:schemeClr val="tx1"/>
+                </a:solidFill>
+                <a:effectLst/>
+                <a:uLnTx/>
+                <a:uFillTx/>
+                <a:latin typeface="+mj-lt"/>
+                <a:ea typeface="+mn-ea"/>
+                <a:cs typeface="+mn-cs"/>
+              </a:rPr>
+              <a:t>7M.</a:t>
             </a:r>
             <a:fld id="{B5B77044-B6D2-4171-A09C-C512413DA1DA}" type="slidenum">
               <a:rPr kumimoji="0" lang="en-US" sz="1000" b="0" i="0" u="none" strike="noStrike" kern="1200" cap="none" spc="0" normalizeH="0" baseline="0" noProof="0" smtClean="0">
@@ -13319,8 +13470,8 @@
         </p:nvSpPr>
         <p:spPr>
           <a:xfrm>
-            <a:off x="8302069" y="6553200"/>
-            <a:ext cx="794308" cy="246221"/>
+            <a:off x="8342708" y="6553200"/>
+            <a:ext cx="753669" cy="246221"/>
           </a:xfrm>
         </p:spPr>
         <p:txBody>
@@ -13336,7 +13487,11 @@
             </a:r>
             <a:r>
               <a:rPr lang="en-US" dirty="0" smtClean="0"/>
-              <a:t> 6W.</a:t>
+              <a:t> </a:t>
+            </a:r>
+            <a:r>
+              <a:rPr lang="en-US" dirty="0" smtClean="0"/>
+              <a:t>7M.</a:t>
             </a:r>
             <a:fld id="{D7F2FC53-1536-41A9-A9C1-2199CF803E30}" type="slidenum">
               <a:rPr lang="en-US" smtClean="0"/>
@@ -14077,8 +14232,8 @@
         </p:nvSpPr>
         <p:spPr bwMode="auto">
           <a:xfrm>
-            <a:off x="8427970" y="6553200"/>
-            <a:ext cx="716036" cy="246221"/>
+            <a:off x="8390337" y="6553200"/>
+            <a:ext cx="753669" cy="246221"/>
           </a:xfrm>
           <a:prstGeom prst="rect">
             <a:avLst/>
@@ -14150,7 +14305,24 @@
                 <a:ea typeface="+mn-ea"/>
                 <a:cs typeface="+mn-cs"/>
               </a:rPr>
-              <a:t> 6W.</a:t>
+              <a:t> </a:t>
+            </a:r>
+            <a:r>
+              <a:rPr kumimoji="0" lang="en-US" sz="1000" b="0" i="0" u="none" strike="noStrike" kern="1200" cap="none" spc="0" normalizeH="0" baseline="0" noProof="0" dirty="0" smtClean="0">
+                <a:ln>
+                  <a:noFill/>
+                </a:ln>
+                <a:solidFill>
+                  <a:schemeClr val="tx1"/>
+                </a:solidFill>
+                <a:effectLst/>
+                <a:uLnTx/>
+                <a:uFillTx/>
+                <a:latin typeface="+mj-lt"/>
+                <a:ea typeface="+mn-ea"/>
+                <a:cs typeface="+mn-cs"/>
+              </a:rPr>
+              <a:t>7M.</a:t>
             </a:r>
             <a:fld id="{B5B77044-B6D2-4171-A09C-C512413DA1DA}" type="slidenum">
               <a:rPr kumimoji="0" lang="en-US" sz="1000" b="0" i="0" u="none" strike="noStrike" kern="1200" cap="none" spc="0" normalizeH="0" baseline="0" noProof="0" smtClean="0">
@@ -14632,7 +14804,24 @@
                 <a:ea typeface="+mn-ea"/>
                 <a:cs typeface="+mn-cs"/>
               </a:rPr>
-              <a:t> 6W.</a:t>
+              <a:t> </a:t>
+            </a:r>
+            <a:r>
+              <a:rPr kumimoji="0" lang="en-US" sz="1000" b="0" i="0" u="none" strike="noStrike" kern="1200" cap="none" spc="0" normalizeH="0" baseline="0" noProof="0" dirty="0" smtClean="0">
+                <a:ln>
+                  <a:noFill/>
+                </a:ln>
+                <a:solidFill>
+                  <a:schemeClr val="tx1"/>
+                </a:solidFill>
+                <a:effectLst/>
+                <a:uLnTx/>
+                <a:uFillTx/>
+                <a:latin typeface="+mj-lt"/>
+                <a:ea typeface="+mn-ea"/>
+                <a:cs typeface="+mn-cs"/>
+              </a:rPr>
+              <a:t>7M.</a:t>
             </a:r>
             <a:fld id="{B5B77044-B6D2-4171-A09C-C512413DA1DA}" type="slidenum">
               <a:rPr kumimoji="0" lang="en-US" sz="1000" b="0" i="0" u="none" strike="noStrike" kern="1200" cap="none" spc="0" normalizeH="0" baseline="0" noProof="0" smtClean="0">
@@ -15411,8 +15600,8 @@
         </p:nvSpPr>
         <p:spPr bwMode="auto">
           <a:xfrm>
-            <a:off x="8427970" y="6553200"/>
-            <a:ext cx="716036" cy="246221"/>
+            <a:off x="8369798" y="6553200"/>
+            <a:ext cx="774208" cy="246221"/>
           </a:xfrm>
           <a:prstGeom prst="rect">
             <a:avLst/>
@@ -15484,7 +15673,24 @@
                 <a:ea typeface="+mn-ea"/>
                 <a:cs typeface="+mn-cs"/>
               </a:rPr>
-              <a:t> 6W.</a:t>
+              <a:t> </a:t>
+            </a:r>
+            <a:r>
+              <a:rPr kumimoji="0" lang="en-US" sz="1000" b="0" i="0" u="none" strike="noStrike" kern="1200" cap="none" spc="0" normalizeH="0" baseline="0" noProof="0" dirty="0" smtClean="0">
+                <a:ln>
+                  <a:noFill/>
+                </a:ln>
+                <a:solidFill>
+                  <a:schemeClr val="tx1"/>
+                </a:solidFill>
+                <a:effectLst/>
+                <a:uLnTx/>
+                <a:uFillTx/>
+                <a:latin typeface="+mj-lt"/>
+                <a:ea typeface="+mn-ea"/>
+                <a:cs typeface="+mn-cs"/>
+              </a:rPr>
+              <a:t>7M.</a:t>
             </a:r>
             <a:fld id="{B5B77044-B6D2-4171-A09C-C512413DA1DA}" type="slidenum">
               <a:rPr kumimoji="0" lang="en-US" sz="1000" b="0" i="0" u="none" strike="noStrike" kern="1200" cap="none" spc="0" normalizeH="0" baseline="0" noProof="0" smtClean="0">
@@ -16367,8 +16573,8 @@
         </p:nvSpPr>
         <p:spPr bwMode="auto">
           <a:xfrm>
-            <a:off x="8349698" y="6553200"/>
-            <a:ext cx="794308" cy="246221"/>
+            <a:off x="8390337" y="6553200"/>
+            <a:ext cx="753669" cy="246221"/>
           </a:xfrm>
           <a:prstGeom prst="rect">
             <a:avLst/>
@@ -16440,7 +16646,24 @@
                 <a:ea typeface="+mn-ea"/>
                 <a:cs typeface="+mn-cs"/>
               </a:rPr>
-              <a:t> 6W.</a:t>
+              <a:t> </a:t>
+            </a:r>
+            <a:r>
+              <a:rPr kumimoji="0" lang="en-US" sz="1000" b="0" i="0" u="none" strike="noStrike" kern="1200" cap="none" spc="0" normalizeH="0" baseline="0" noProof="0" dirty="0" smtClean="0">
+                <a:ln>
+                  <a:noFill/>
+                </a:ln>
+                <a:solidFill>
+                  <a:schemeClr val="tx1"/>
+                </a:solidFill>
+                <a:effectLst/>
+                <a:uLnTx/>
+                <a:uFillTx/>
+                <a:latin typeface="+mj-lt"/>
+                <a:ea typeface="+mn-ea"/>
+                <a:cs typeface="+mn-cs"/>
+              </a:rPr>
+              <a:t>7M.</a:t>
             </a:r>
             <a:fld id="{B5B77044-B6D2-4171-A09C-C512413DA1DA}" type="slidenum">
               <a:rPr kumimoji="0" lang="en-US" sz="1000" b="0" i="0" u="none" strike="noStrike" kern="1200" cap="none" spc="0" normalizeH="0" baseline="0" noProof="0" smtClean="0">
@@ -17056,7 +17279,24 @@
                 <a:ea typeface="+mn-ea"/>
                 <a:cs typeface="+mn-cs"/>
               </a:rPr>
-              <a:t> 6W.</a:t>
+              <a:t> </a:t>
+            </a:r>
+            <a:r>
+              <a:rPr kumimoji="0" lang="en-US" sz="1000" b="0" i="0" u="none" strike="noStrike" kern="1200" cap="none" spc="0" normalizeH="0" baseline="0" noProof="0" dirty="0" smtClean="0">
+                <a:ln>
+                  <a:noFill/>
+                </a:ln>
+                <a:solidFill>
+                  <a:schemeClr val="tx1"/>
+                </a:solidFill>
+                <a:effectLst/>
+                <a:uLnTx/>
+                <a:uFillTx/>
+                <a:latin typeface="+mj-lt"/>
+                <a:ea typeface="+mn-ea"/>
+                <a:cs typeface="+mn-cs"/>
+              </a:rPr>
+              <a:t>7M.</a:t>
             </a:r>
             <a:fld id="{B5B77044-B6D2-4171-A09C-C512413DA1DA}" type="slidenum">
               <a:rPr kumimoji="0" lang="en-US" sz="1000" b="0" i="0" u="none" strike="noStrike" kern="1200" cap="none" spc="0" normalizeH="0" baseline="0" noProof="0" smtClean="0">
@@ -19003,7 +19243,24 @@
                 <a:ea typeface="+mn-ea"/>
                 <a:cs typeface="+mn-cs"/>
               </a:rPr>
-              <a:t> 6W.</a:t>
+              <a:t> </a:t>
+            </a:r>
+            <a:r>
+              <a:rPr kumimoji="0" lang="en-US" sz="1000" b="0" i="0" u="none" strike="noStrike" kern="1200" cap="none" spc="0" normalizeH="0" baseline="0" noProof="0" dirty="0" smtClean="0">
+                <a:ln>
+                  <a:noFill/>
+                </a:ln>
+                <a:solidFill>
+                  <a:schemeClr val="tx1"/>
+                </a:solidFill>
+                <a:effectLst/>
+                <a:uLnTx/>
+                <a:uFillTx/>
+                <a:latin typeface="+mj-lt"/>
+                <a:ea typeface="+mn-ea"/>
+                <a:cs typeface="+mn-cs"/>
+              </a:rPr>
+              <a:t>7M.</a:t>
             </a:r>
             <a:fld id="{B5B77044-B6D2-4171-A09C-C512413DA1DA}" type="slidenum">
               <a:rPr kumimoji="0" lang="en-US" sz="1000" b="0" i="0" u="none" strike="noStrike" kern="1200" cap="none" spc="0" normalizeH="0" baseline="0" noProof="0" smtClean="0">
@@ -19826,7 +20083,24 @@
                 <a:ea typeface="+mn-ea"/>
                 <a:cs typeface="+mn-cs"/>
               </a:rPr>
-              <a:t> 6W.</a:t>
+              <a:t> </a:t>
+            </a:r>
+            <a:r>
+              <a:rPr kumimoji="0" lang="en-US" sz="1000" b="0" i="0" u="none" strike="noStrike" kern="1200" cap="none" spc="0" normalizeH="0" baseline="0" noProof="0" dirty="0" smtClean="0">
+                <a:ln>
+                  <a:noFill/>
+                </a:ln>
+                <a:solidFill>
+                  <a:schemeClr val="tx1"/>
+                </a:solidFill>
+                <a:effectLst/>
+                <a:uLnTx/>
+                <a:uFillTx/>
+                <a:latin typeface="+mj-lt"/>
+                <a:ea typeface="+mn-ea"/>
+                <a:cs typeface="+mn-cs"/>
+              </a:rPr>
+              <a:t>7M.</a:t>
             </a:r>
             <a:fld id="{B5B77044-B6D2-4171-A09C-C512413DA1DA}" type="slidenum">
               <a:rPr kumimoji="0" lang="en-US" sz="1000" b="0" i="0" u="none" strike="noStrike" kern="1200" cap="none" spc="0" normalizeH="0" baseline="0" noProof="0" smtClean="0">
@@ -21306,7 +21580,24 @@
                 <a:ea typeface="+mn-ea"/>
                 <a:cs typeface="+mn-cs"/>
               </a:rPr>
-              <a:t> 6W.</a:t>
+              <a:t> </a:t>
+            </a:r>
+            <a:r>
+              <a:rPr kumimoji="0" lang="en-US" sz="1000" b="0" i="0" u="none" strike="noStrike" kern="1200" cap="none" spc="0" normalizeH="0" baseline="0" noProof="0" dirty="0" smtClean="0">
+                <a:ln>
+                  <a:noFill/>
+                </a:ln>
+                <a:solidFill>
+                  <a:schemeClr val="tx1"/>
+                </a:solidFill>
+                <a:effectLst/>
+                <a:uLnTx/>
+                <a:uFillTx/>
+                <a:latin typeface="+mj-lt"/>
+                <a:ea typeface="+mn-ea"/>
+                <a:cs typeface="+mn-cs"/>
+              </a:rPr>
+              <a:t>7M.</a:t>
             </a:r>
             <a:fld id="{B5B77044-B6D2-4171-A09C-C512413DA1DA}" type="slidenum">
               <a:rPr kumimoji="0" lang="en-US" sz="1000" b="0" i="0" u="none" strike="noStrike" kern="1200" cap="none" spc="0" normalizeH="0" baseline="0" noProof="0" smtClean="0">
@@ -21800,7 +22091,24 @@
                 <a:ea typeface="+mn-ea"/>
                 <a:cs typeface="+mn-cs"/>
               </a:rPr>
-              <a:t> 6W.</a:t>
+              <a:t> </a:t>
+            </a:r>
+            <a:r>
+              <a:rPr kumimoji="0" lang="en-US" sz="1000" b="0" i="0" u="none" strike="noStrike" kern="1200" cap="none" spc="0" normalizeH="0" baseline="0" noProof="0" dirty="0" smtClean="0">
+                <a:ln>
+                  <a:noFill/>
+                </a:ln>
+                <a:solidFill>
+                  <a:schemeClr val="tx1"/>
+                </a:solidFill>
+                <a:effectLst/>
+                <a:uLnTx/>
+                <a:uFillTx/>
+                <a:latin typeface="+mj-lt"/>
+                <a:ea typeface="+mn-ea"/>
+                <a:cs typeface="+mn-cs"/>
+              </a:rPr>
+              <a:t>7M.</a:t>
             </a:r>
             <a:fld id="{B5B77044-B6D2-4171-A09C-C512413DA1DA}" type="slidenum">
               <a:rPr kumimoji="0" lang="en-US" sz="1000" b="0" i="0" u="none" strike="noStrike" kern="1200" cap="none" spc="0" normalizeH="0" baseline="0" noProof="0" smtClean="0">
@@ -22429,7 +22737,24 @@
                 <a:ea typeface="+mn-ea"/>
                 <a:cs typeface="+mn-cs"/>
               </a:rPr>
-              <a:t> 6W.</a:t>
+              <a:t> </a:t>
+            </a:r>
+            <a:r>
+              <a:rPr kumimoji="0" lang="en-US" sz="1000" b="0" i="0" u="none" strike="noStrike" kern="1200" cap="none" spc="0" normalizeH="0" baseline="0" noProof="0" dirty="0" smtClean="0">
+                <a:ln>
+                  <a:noFill/>
+                </a:ln>
+                <a:solidFill>
+                  <a:schemeClr val="tx1"/>
+                </a:solidFill>
+                <a:effectLst/>
+                <a:uLnTx/>
+                <a:uFillTx/>
+                <a:latin typeface="+mj-lt"/>
+                <a:ea typeface="+mn-ea"/>
+                <a:cs typeface="+mn-cs"/>
+              </a:rPr>
+              <a:t>7M.</a:t>
             </a:r>
             <a:fld id="{B5B77044-B6D2-4171-A09C-C512413DA1DA}" type="slidenum">
               <a:rPr kumimoji="0" lang="en-US" sz="1000" b="0" i="0" u="none" strike="noStrike" kern="1200" cap="none" spc="0" normalizeH="0" baseline="0" noProof="0" smtClean="0">
@@ -23106,7 +23431,24 @@
                 <a:ea typeface="+mn-ea"/>
                 <a:cs typeface="+mn-cs"/>
               </a:rPr>
-              <a:t> 6W.</a:t>
+              <a:t> </a:t>
+            </a:r>
+            <a:r>
+              <a:rPr kumimoji="0" lang="en-US" sz="1000" b="0" i="0" u="none" strike="noStrike" kern="1200" cap="none" spc="0" normalizeH="0" baseline="0" noProof="0" dirty="0" smtClean="0">
+                <a:ln>
+                  <a:noFill/>
+                </a:ln>
+                <a:solidFill>
+                  <a:schemeClr val="tx1"/>
+                </a:solidFill>
+                <a:effectLst/>
+                <a:uLnTx/>
+                <a:uFillTx/>
+                <a:latin typeface="+mj-lt"/>
+                <a:ea typeface="+mn-ea"/>
+                <a:cs typeface="+mn-cs"/>
+              </a:rPr>
+              <a:t>7M.</a:t>
             </a:r>
             <a:fld id="{B5B77044-B6D2-4171-A09C-C512413DA1DA}" type="slidenum">
               <a:rPr kumimoji="0" lang="en-US" sz="1000" b="0" i="0" u="none" strike="noStrike" kern="1200" cap="none" spc="0" normalizeH="0" baseline="0" noProof="0" smtClean="0">
@@ -24232,7 +24574,24 @@
                 <a:ea typeface="+mn-ea"/>
                 <a:cs typeface="+mn-cs"/>
               </a:rPr>
-              <a:t> 6W.</a:t>
+              <a:t> </a:t>
+            </a:r>
+            <a:r>
+              <a:rPr kumimoji="0" lang="en-US" sz="1000" b="0" i="0" u="none" strike="noStrike" kern="1200" cap="none" spc="0" normalizeH="0" baseline="0" noProof="0" dirty="0" smtClean="0">
+                <a:ln>
+                  <a:noFill/>
+                </a:ln>
+                <a:solidFill>
+                  <a:schemeClr val="tx1"/>
+                </a:solidFill>
+                <a:effectLst/>
+                <a:uLnTx/>
+                <a:uFillTx/>
+                <a:latin typeface="+mj-lt"/>
+                <a:ea typeface="+mn-ea"/>
+                <a:cs typeface="+mn-cs"/>
+              </a:rPr>
+              <a:t>7M.</a:t>
             </a:r>
             <a:fld id="{B5B77044-B6D2-4171-A09C-C512413DA1DA}" type="slidenum">
               <a:rPr kumimoji="0" lang="en-US" sz="1000" b="0" i="0" u="none" strike="noStrike" kern="1200" cap="none" spc="0" normalizeH="0" baseline="0" noProof="0" smtClean="0">
@@ -25557,7 +25916,24 @@
                 <a:ea typeface="+mn-ea"/>
                 <a:cs typeface="+mn-cs"/>
               </a:rPr>
-              <a:t> 6W.</a:t>
+              <a:t> </a:t>
+            </a:r>
+            <a:r>
+              <a:rPr kumimoji="0" lang="en-US" sz="1000" b="0" i="0" u="none" strike="noStrike" kern="1200" cap="none" spc="0" normalizeH="0" baseline="0" noProof="0" dirty="0" smtClean="0">
+                <a:ln>
+                  <a:noFill/>
+                </a:ln>
+                <a:solidFill>
+                  <a:schemeClr val="tx1"/>
+                </a:solidFill>
+                <a:effectLst/>
+                <a:uLnTx/>
+                <a:uFillTx/>
+                <a:latin typeface="+mj-lt"/>
+                <a:ea typeface="+mn-ea"/>
+                <a:cs typeface="+mn-cs"/>
+              </a:rPr>
+              <a:t>7M.</a:t>
             </a:r>
             <a:fld id="{B5B77044-B6D2-4171-A09C-C512413DA1DA}" type="slidenum">
               <a:rPr kumimoji="0" lang="en-US" sz="1000" b="0" i="0" u="none" strike="noStrike" kern="1200" cap="none" spc="0" normalizeH="0" baseline="0" noProof="0" smtClean="0">
@@ -25975,7 +26351,24 @@
                 <a:ea typeface="+mn-ea"/>
                 <a:cs typeface="+mn-cs"/>
               </a:rPr>
-              <a:t> 6W.</a:t>
+              <a:t> </a:t>
+            </a:r>
+            <a:r>
+              <a:rPr kumimoji="0" lang="en-US" sz="1000" b="0" i="0" u="none" strike="noStrike" kern="1200" cap="none" spc="0" normalizeH="0" baseline="0" noProof="0" dirty="0" smtClean="0">
+                <a:ln>
+                  <a:noFill/>
+                </a:ln>
+                <a:solidFill>
+                  <a:schemeClr val="tx1"/>
+                </a:solidFill>
+                <a:effectLst/>
+                <a:uLnTx/>
+                <a:uFillTx/>
+                <a:latin typeface="+mj-lt"/>
+                <a:ea typeface="+mn-ea"/>
+                <a:cs typeface="+mn-cs"/>
+              </a:rPr>
+              <a:t>7M.</a:t>
             </a:r>
             <a:fld id="{B5B77044-B6D2-4171-A09C-C512413DA1DA}" type="slidenum">
               <a:rPr kumimoji="0" lang="en-US" sz="1000" b="0" i="0" u="none" strike="noStrike" kern="1200" cap="none" spc="0" normalizeH="0" baseline="0" noProof="0" smtClean="0">
@@ -26999,8 +27392,8 @@
         </p:nvSpPr>
         <p:spPr bwMode="auto">
           <a:xfrm>
-            <a:off x="8349698" y="6553200"/>
-            <a:ext cx="794308" cy="246221"/>
+            <a:off x="8390337" y="6553200"/>
+            <a:ext cx="753669" cy="246221"/>
           </a:xfrm>
           <a:prstGeom prst="rect">
             <a:avLst/>
@@ -27072,7 +27465,24 @@
                 <a:ea typeface="+mn-ea"/>
                 <a:cs typeface="+mn-cs"/>
               </a:rPr>
-              <a:t> 6W.</a:t>
+              <a:t> </a:t>
+            </a:r>
+            <a:r>
+              <a:rPr kumimoji="0" lang="en-US" sz="1000" b="0" i="0" u="none" strike="noStrike" kern="1200" cap="none" spc="0" normalizeH="0" baseline="0" noProof="0" dirty="0" smtClean="0">
+                <a:ln>
+                  <a:noFill/>
+                </a:ln>
+                <a:solidFill>
+                  <a:schemeClr val="tx1"/>
+                </a:solidFill>
+                <a:effectLst/>
+                <a:uLnTx/>
+                <a:uFillTx/>
+                <a:latin typeface="+mj-lt"/>
+                <a:ea typeface="+mn-ea"/>
+                <a:cs typeface="+mn-cs"/>
+              </a:rPr>
+              <a:t>7M.</a:t>
             </a:r>
             <a:fld id="{B5B77044-B6D2-4171-A09C-C512413DA1DA}" type="slidenum">
               <a:rPr kumimoji="0" lang="en-US" sz="1000" b="0" i="0" u="none" strike="noStrike" kern="1200" cap="none" spc="0" normalizeH="0" baseline="0" noProof="0" smtClean="0">
@@ -28383,7 +28793,24 @@
                 <a:ea typeface="+mn-ea"/>
                 <a:cs typeface="+mn-cs"/>
               </a:rPr>
-              <a:t> 6W.</a:t>
+              <a:t> </a:t>
+            </a:r>
+            <a:r>
+              <a:rPr kumimoji="0" lang="en-US" sz="1000" b="0" i="0" u="none" strike="noStrike" kern="1200" cap="none" spc="0" normalizeH="0" baseline="0" noProof="0" dirty="0" smtClean="0">
+                <a:ln>
+                  <a:noFill/>
+                </a:ln>
+                <a:solidFill>
+                  <a:schemeClr val="tx1"/>
+                </a:solidFill>
+                <a:effectLst/>
+                <a:uLnTx/>
+                <a:uFillTx/>
+                <a:latin typeface="+mj-lt"/>
+                <a:ea typeface="+mn-ea"/>
+                <a:cs typeface="+mn-cs"/>
+              </a:rPr>
+              <a:t>7M.</a:t>
             </a:r>
             <a:fld id="{B5B77044-B6D2-4171-A09C-C512413DA1DA}" type="slidenum">
               <a:rPr kumimoji="0" lang="en-US" sz="1000" b="0" i="0" u="none" strike="noStrike" kern="1200" cap="none" spc="0" normalizeH="0" baseline="0" noProof="0" smtClean="0">
@@ -29718,7 +30145,24 @@
                 <a:ea typeface="+mn-ea"/>
                 <a:cs typeface="+mn-cs"/>
               </a:rPr>
-              <a:t> 6W.</a:t>
+              <a:t> </a:t>
+            </a:r>
+            <a:r>
+              <a:rPr kumimoji="0" lang="en-US" sz="1000" b="0" i="0" u="none" strike="noStrike" kern="1200" cap="none" spc="0" normalizeH="0" baseline="0" noProof="0" dirty="0" smtClean="0">
+                <a:ln>
+                  <a:noFill/>
+                </a:ln>
+                <a:solidFill>
+                  <a:schemeClr val="tx1"/>
+                </a:solidFill>
+                <a:effectLst/>
+                <a:uLnTx/>
+                <a:uFillTx/>
+                <a:latin typeface="+mj-lt"/>
+                <a:ea typeface="+mn-ea"/>
+                <a:cs typeface="+mn-cs"/>
+              </a:rPr>
+              <a:t>7M.</a:t>
             </a:r>
             <a:fld id="{B5B77044-B6D2-4171-A09C-C512413DA1DA}" type="slidenum">
               <a:rPr kumimoji="0" lang="en-US" sz="1000" b="0" i="0" u="none" strike="noStrike" kern="1200" cap="none" spc="0" normalizeH="0" baseline="0" noProof="0" smtClean="0">
@@ -29832,7 +30276,11 @@
             </a:r>
             <a:r>
               <a:rPr lang="en-US" dirty="0" smtClean="0"/>
-              <a:t> 6W.</a:t>
+              <a:t> </a:t>
+            </a:r>
+            <a:r>
+              <a:rPr lang="en-US" dirty="0" smtClean="0"/>
+              <a:t>7M.</a:t>
             </a:r>
             <a:fld id="{B5B77044-B6D2-4171-A09C-C512413DA1DA}" type="slidenum">
               <a:rPr lang="en-US" smtClean="0"/>
@@ -30112,7 +30560,7 @@
           <a:graphicData uri="http://schemas.openxmlformats.org/presentationml/2006/ole">
             <mc:AlternateContent xmlns:mc="http://schemas.openxmlformats.org/markup-compatibility/2006">
               <mc:Choice xmlns:v="urn:schemas-microsoft-com:vml" Requires="v">
-                <p:oleObj spid="_x0000_s399366" name="Equation" r:id="rId4" imgW="914400" imgH="198720" progId="Equation.DSMT4">
+                <p:oleObj spid="_x0000_s399368" name="Equation" r:id="rId4" imgW="914400" imgH="198720" progId="Equation.DSMT4">
                   <p:embed/>
                 </p:oleObj>
               </mc:Choice>
@@ -31390,7 +31838,11 @@
             </a:r>
             <a:r>
               <a:rPr lang="en-US" dirty="0" smtClean="0"/>
-              <a:t> 6W.</a:t>
+              <a:t> </a:t>
+            </a:r>
+            <a:r>
+              <a:rPr lang="en-US" dirty="0" smtClean="0"/>
+              <a:t>7M.</a:t>
             </a:r>
             <a:fld id="{B5B77044-B6D2-4171-A09C-C512413DA1DA}" type="slidenum">
               <a:rPr lang="en-US" smtClean="0"/>
@@ -31609,7 +32061,11 @@
             </a:r>
             <a:r>
               <a:rPr lang="en-US" dirty="0" smtClean="0"/>
-              <a:t> 6W.</a:t>
+              <a:t> </a:t>
+            </a:r>
+            <a:r>
+              <a:rPr lang="en-US" dirty="0" smtClean="0"/>
+              <a:t>7M.</a:t>
             </a:r>
             <a:fld id="{B5B77044-B6D2-4171-A09C-C512413DA1DA}" type="slidenum">
               <a:rPr lang="en-US" smtClean="0"/>
@@ -31690,8 +32146,8 @@
         </p:nvSpPr>
         <p:spPr>
           <a:xfrm>
-            <a:off x="7605713" y="6583363"/>
-            <a:ext cx="1481137" cy="244475"/>
+            <a:off x="8389223" y="6583363"/>
+            <a:ext cx="697627" cy="246221"/>
           </a:xfrm>
           <a:prstGeom prst="rect">
             <a:avLst/>
@@ -31707,7 +32163,11 @@
             </a:r>
             <a:r>
               <a:rPr lang="en-US" dirty="0" smtClean="0"/>
-              <a:t> 6W.</a:t>
+              <a:t> </a:t>
+            </a:r>
+            <a:r>
+              <a:rPr lang="en-US" dirty="0" smtClean="0"/>
+              <a:t>7M.</a:t>
             </a:r>
             <a:fld id="{BE7A7230-D7FA-4A89-AC00-9EF47009DD32}" type="slidenum">
               <a:rPr lang="en-US" smtClean="0"/>
@@ -33867,8 +34327,8 @@
         </p:nvSpPr>
         <p:spPr>
           <a:xfrm>
-            <a:off x="7605713" y="6583363"/>
-            <a:ext cx="1481137" cy="244475"/>
+            <a:off x="8390914" y="6583363"/>
+            <a:ext cx="695936" cy="246221"/>
           </a:xfrm>
           <a:prstGeom prst="rect">
             <a:avLst/>
@@ -33884,7 +34344,11 @@
             </a:r>
             <a:r>
               <a:rPr lang="en-US" dirty="0" smtClean="0"/>
-              <a:t> 6W.</a:t>
+              <a:t> </a:t>
+            </a:r>
+            <a:r>
+              <a:rPr lang="en-US" dirty="0" smtClean="0"/>
+              <a:t>7M.</a:t>
             </a:r>
             <a:fld id="{BE7A7230-D7FA-4A89-AC00-9EF47009DD32}" type="slidenum">
               <a:rPr lang="en-US" smtClean="0"/>
@@ -35714,8 +36178,8 @@
         </p:nvSpPr>
         <p:spPr>
           <a:xfrm>
-            <a:off x="8215313" y="6583363"/>
-            <a:ext cx="928687" cy="274637"/>
+            <a:off x="8345810" y="6583363"/>
+            <a:ext cx="798190" cy="276999"/>
           </a:xfrm>
           <a:prstGeom prst="rect">
             <a:avLst/>
@@ -35734,7 +36198,11 @@
             </a:r>
             <a:r>
               <a:rPr lang="en-US" sz="1200" dirty="0" smtClean="0"/>
-              <a:t> 6W.</a:t>
+              <a:t> </a:t>
+            </a:r>
+            <a:r>
+              <a:rPr lang="en-US" sz="1200" dirty="0" smtClean="0"/>
+              <a:t>7M.</a:t>
             </a:r>
             <a:fld id="{19EC3EF5-AAAB-406F-8B8B-2285D28F7116}" type="slidenum">
               <a:rPr lang="en-US" sz="1200" smtClean="0"/>
